--- a/ENSA_Module_14.pptx
+++ b/ENSA_Module_14.pptx
@@ -247,7 +247,7 @@
 <file path=ppt/revisionInfo.xml><?xml version="1.0" encoding="utf-8"?>
 <p1510:revInfo xmlns:a="http://schemas.openxmlformats.org/drawingml/2006/main" xmlns:r="http://schemas.openxmlformats.org/officeDocument/2006/relationships" xmlns:p1510="http://schemas.microsoft.com/office/powerpoint/2015/10/main">
   <p1510:revLst>
-    <p1510:client id="{42A09962-F7EC-9247-A99B-38C1D6F929C5}" v="2" dt="2024-11-21T12:23:26.257"/>
+    <p1510:client id="{E5B184E4-A5B5-E744-88B2-B3A15DDD9709}" v="3" dt="2025-11-19T08:41:08.682"/>
   </p1510:revLst>
 </p1510:revInfo>
 </file>
@@ -255,590 +255,41 @@
 <file path=ppt/changesInfos/changesInfo1.xml><?xml version="1.0" encoding="utf-8"?>
 <pc:chgInfo xmlns:a="http://schemas.openxmlformats.org/drawingml/2006/main" xmlns:r="http://schemas.openxmlformats.org/officeDocument/2006/relationships" xmlns:ac="http://schemas.microsoft.com/office/drawing/2013/main/command" xmlns:pc="http://schemas.microsoft.com/office/powerpoint/2013/main/command">
   <pc:docChgLst>
-    <pc:chgData name="Július Baráth" userId="e650c4ab-697e-4750-bd58-c1531aabce95" providerId="ADAL" clId="{844DD432-7432-9D4A-AA82-9654AEF9F59C}"/>
-    <pc:docChg chg="custSel delSld modSld">
-      <pc:chgData name="Július Baráth" userId="e650c4ab-697e-4750-bd58-c1531aabce95" providerId="ADAL" clId="{844DD432-7432-9D4A-AA82-9654AEF9F59C}" dt="2020-10-28T07:27:00.208" v="25" actId="115"/>
+    <pc:chgData name="Baráth, Július" userId="aebde9b9-dccc-4475-a9ac-c05e78323d7a" providerId="ADAL" clId="{4A0811C8-ED2F-505E-B787-C8270CED5046}"/>
+    <pc:docChg chg="modSld">
+      <pc:chgData name="Baráth, Július" userId="aebde9b9-dccc-4475-a9ac-c05e78323d7a" providerId="ADAL" clId="{4A0811C8-ED2F-505E-B787-C8270CED5046}" dt="2025-11-19T08:41:08.678" v="2"/>
       <pc:docMkLst>
         <pc:docMk/>
       </pc:docMkLst>
-      <pc:sldChg chg="del">
-        <pc:chgData name="Július Baráth" userId="e650c4ab-697e-4750-bd58-c1531aabce95" providerId="ADAL" clId="{844DD432-7432-9D4A-AA82-9654AEF9F59C}" dt="2020-10-28T06:26:52.125" v="0" actId="2696"/>
-        <pc:sldMkLst>
-          <pc:docMk/>
-          <pc:sldMk cId="111192384" sldId="860"/>
-        </pc:sldMkLst>
-      </pc:sldChg>
-      <pc:sldChg chg="modSp mod">
-        <pc:chgData name="Július Baráth" userId="e650c4ab-697e-4750-bd58-c1531aabce95" providerId="ADAL" clId="{844DD432-7432-9D4A-AA82-9654AEF9F59C}" dt="2020-10-28T06:29:09.120" v="2" actId="115"/>
-        <pc:sldMkLst>
-          <pc:docMk/>
-          <pc:sldMk cId="3690372023" sldId="1315"/>
-        </pc:sldMkLst>
-      </pc:sldChg>
-      <pc:sldChg chg="modSp mod">
-        <pc:chgData name="Július Baráth" userId="e650c4ab-697e-4750-bd58-c1531aabce95" providerId="ADAL" clId="{844DD432-7432-9D4A-AA82-9654AEF9F59C}" dt="2020-10-28T06:44:28.791" v="19" actId="20577"/>
-        <pc:sldMkLst>
-          <pc:docMk/>
-          <pc:sldMk cId="269176991" sldId="1320"/>
-        </pc:sldMkLst>
-      </pc:sldChg>
-      <pc:sldChg chg="modSp mod">
-        <pc:chgData name="Július Baráth" userId="e650c4ab-697e-4750-bd58-c1531aabce95" providerId="ADAL" clId="{844DD432-7432-9D4A-AA82-9654AEF9F59C}" dt="2020-10-28T07:00:20.524" v="20" actId="115"/>
-        <pc:sldMkLst>
-          <pc:docMk/>
-          <pc:sldMk cId="498020006" sldId="1329"/>
-        </pc:sldMkLst>
-      </pc:sldChg>
-      <pc:sldChg chg="modSp mod">
-        <pc:chgData name="Július Baráth" userId="e650c4ab-697e-4750-bd58-c1531aabce95" providerId="ADAL" clId="{844DD432-7432-9D4A-AA82-9654AEF9F59C}" dt="2020-10-28T07:01:47.654" v="22" actId="115"/>
-        <pc:sldMkLst>
-          <pc:docMk/>
-          <pc:sldMk cId="2108689498" sldId="1330"/>
-        </pc:sldMkLst>
-      </pc:sldChg>
-      <pc:sldChg chg="modSp mod">
-        <pc:chgData name="Július Baráth" userId="e650c4ab-697e-4750-bd58-c1531aabce95" providerId="ADAL" clId="{844DD432-7432-9D4A-AA82-9654AEF9F59C}" dt="2020-10-28T07:10:32.307" v="24" actId="115"/>
-        <pc:sldMkLst>
-          <pc:docMk/>
-          <pc:sldMk cId="3581706693" sldId="1334"/>
-        </pc:sldMkLst>
-      </pc:sldChg>
-      <pc:sldChg chg="modSp mod">
-        <pc:chgData name="Július Baráth" userId="e650c4ab-697e-4750-bd58-c1531aabce95" providerId="ADAL" clId="{844DD432-7432-9D4A-AA82-9654AEF9F59C}" dt="2020-10-28T07:27:00.208" v="25" actId="115"/>
-        <pc:sldMkLst>
-          <pc:docMk/>
-          <pc:sldMk cId="960598117" sldId="1344"/>
-        </pc:sldMkLst>
-      </pc:sldChg>
-      <pc:sldChg chg="modSp mod">
-        <pc:chgData name="Július Baráth" userId="e650c4ab-697e-4750-bd58-c1531aabce95" providerId="ADAL" clId="{844DD432-7432-9D4A-AA82-9654AEF9F59C}" dt="2020-10-28T07:01:07.413" v="21" actId="115"/>
-        <pc:sldMkLst>
-          <pc:docMk/>
-          <pc:sldMk cId="480294283" sldId="1364"/>
-        </pc:sldMkLst>
-      </pc:sldChg>
-      <pc:sldMasterChg chg="delSldLayout">
-        <pc:chgData name="Július Baráth" userId="e650c4ab-697e-4750-bd58-c1531aabce95" providerId="ADAL" clId="{844DD432-7432-9D4A-AA82-9654AEF9F59C}" dt="2020-10-28T06:26:52.125" v="0" actId="2696"/>
-        <pc:sldMasterMkLst>
-          <pc:docMk/>
-          <pc:sldMasterMk cId="0" sldId="2147483700"/>
-        </pc:sldMasterMkLst>
-        <pc:sldLayoutChg chg="del">
-          <pc:chgData name="Július Baráth" userId="e650c4ab-697e-4750-bd58-c1531aabce95" providerId="ADAL" clId="{844DD432-7432-9D4A-AA82-9654AEF9F59C}" dt="2020-10-28T06:26:52.125" v="0" actId="2696"/>
-          <pc:sldLayoutMkLst>
-            <pc:docMk/>
-            <pc:sldMasterMk cId="0" sldId="2147483700"/>
-            <pc:sldLayoutMk cId="2257996623" sldId="2147484029"/>
-          </pc:sldLayoutMkLst>
-        </pc:sldLayoutChg>
-      </pc:sldMasterChg>
-    </pc:docChg>
-  </pc:docChgLst>
-  <pc:docChgLst>
-    <pc:chgData name="Baráth, Július" userId="aebde9b9-dccc-4475-a9ac-c05e78323d7a" providerId="ADAL" clId="{41EC5BFD-F5B8-0D45-8823-028FAF86E21C}"/>
-    <pc:docChg chg="addSld modSld">
-      <pc:chgData name="Baráth, Július" userId="aebde9b9-dccc-4475-a9ac-c05e78323d7a" providerId="ADAL" clId="{41EC5BFD-F5B8-0D45-8823-028FAF86E21C}" dt="2024-10-07T07:40:18.668" v="25" actId="14100"/>
-      <pc:docMkLst>
-        <pc:docMk/>
-      </pc:docMkLst>
-      <pc:sldChg chg="addSp delSp modSp new mod">
-        <pc:chgData name="Baráth, Július" userId="aebde9b9-dccc-4475-a9ac-c05e78323d7a" providerId="ADAL" clId="{41EC5BFD-F5B8-0D45-8823-028FAF86E21C}" dt="2024-10-07T07:37:48.249" v="8" actId="14100"/>
-        <pc:sldMkLst>
-          <pc:docMk/>
-          <pc:sldMk cId="922947516" sldId="1366"/>
-        </pc:sldMkLst>
-        <pc:graphicFrameChg chg="add mod">
-          <ac:chgData name="Baráth, Július" userId="aebde9b9-dccc-4475-a9ac-c05e78323d7a" providerId="ADAL" clId="{41EC5BFD-F5B8-0D45-8823-028FAF86E21C}" dt="2024-10-07T07:37:48.249" v="8" actId="14100"/>
-          <ac:graphicFrameMkLst>
-            <pc:docMk/>
-            <pc:sldMk cId="922947516" sldId="1366"/>
-            <ac:graphicFrameMk id="4" creationId="{63150A6A-4864-3BFE-99AC-DF682D1803F4}"/>
-          </ac:graphicFrameMkLst>
-        </pc:graphicFrameChg>
-      </pc:sldChg>
-      <pc:sldChg chg="addSp delSp modSp new mod">
-        <pc:chgData name="Baráth, Július" userId="aebde9b9-dccc-4475-a9ac-c05e78323d7a" providerId="ADAL" clId="{41EC5BFD-F5B8-0D45-8823-028FAF86E21C}" dt="2024-10-07T07:39:00.256" v="16" actId="14100"/>
-        <pc:sldMkLst>
-          <pc:docMk/>
-          <pc:sldMk cId="1961662205" sldId="1367"/>
-        </pc:sldMkLst>
-        <pc:graphicFrameChg chg="add mod">
-          <ac:chgData name="Baráth, Július" userId="aebde9b9-dccc-4475-a9ac-c05e78323d7a" providerId="ADAL" clId="{41EC5BFD-F5B8-0D45-8823-028FAF86E21C}" dt="2024-10-07T07:39:00.256" v="16" actId="14100"/>
-          <ac:graphicFrameMkLst>
-            <pc:docMk/>
-            <pc:sldMk cId="1961662205" sldId="1367"/>
-            <ac:graphicFrameMk id="4" creationId="{C929B078-7153-4301-BA81-708D25E8E493}"/>
-          </ac:graphicFrameMkLst>
-        </pc:graphicFrameChg>
-      </pc:sldChg>
-      <pc:sldChg chg="addSp delSp modSp new mod">
-        <pc:chgData name="Baráth, Július" userId="aebde9b9-dccc-4475-a9ac-c05e78323d7a" providerId="ADAL" clId="{41EC5BFD-F5B8-0D45-8823-028FAF86E21C}" dt="2024-10-07T07:40:18.668" v="25" actId="14100"/>
-        <pc:sldMkLst>
-          <pc:docMk/>
-          <pc:sldMk cId="3476447720" sldId="1368"/>
-        </pc:sldMkLst>
-        <pc:graphicFrameChg chg="add mod">
-          <ac:chgData name="Baráth, Július" userId="aebde9b9-dccc-4475-a9ac-c05e78323d7a" providerId="ADAL" clId="{41EC5BFD-F5B8-0D45-8823-028FAF86E21C}" dt="2024-10-07T07:40:18.668" v="25" actId="14100"/>
-          <ac:graphicFrameMkLst>
-            <pc:docMk/>
-            <pc:sldMk cId="3476447720" sldId="1368"/>
-            <ac:graphicFrameMk id="4" creationId="{5D5EFD14-35FB-7043-BB71-69781F35A3F3}"/>
-          </ac:graphicFrameMkLst>
-        </pc:graphicFrameChg>
-      </pc:sldChg>
-    </pc:docChg>
-  </pc:docChgLst>
-  <pc:docChgLst>
-    <pc:chgData name="Baráth, Július" userId="aebde9b9-dccc-4475-a9ac-c05e78323d7a" providerId="ADAL" clId="{42A09962-F7EC-9247-A99B-38C1D6F929C5}"/>
-    <pc:docChg chg="custSel modSld">
-      <pc:chgData name="Baráth, Július" userId="aebde9b9-dccc-4475-a9ac-c05e78323d7a" providerId="ADAL" clId="{42A09962-F7EC-9247-A99B-38C1D6F929C5}" dt="2024-11-21T12:35:58.446" v="56" actId="113"/>
-      <pc:docMkLst>
-        <pc:docMk/>
-      </pc:docMkLst>
-      <pc:sldChg chg="modSp mod">
-        <pc:chgData name="Baráth, Július" userId="aebde9b9-dccc-4475-a9ac-c05e78323d7a" providerId="ADAL" clId="{42A09962-F7EC-9247-A99B-38C1D6F929C5}" dt="2024-11-21T12:15:04.872" v="3" actId="113"/>
-        <pc:sldMkLst>
-          <pc:docMk/>
-          <pc:sldMk cId="2290146012" sldId="1321"/>
-        </pc:sldMkLst>
-        <pc:spChg chg="mod">
-          <ac:chgData name="Baráth, Július" userId="aebde9b9-dccc-4475-a9ac-c05e78323d7a" providerId="ADAL" clId="{42A09962-F7EC-9247-A99B-38C1D6F929C5}" dt="2024-11-21T12:15:04.872" v="3" actId="113"/>
-          <ac:spMkLst>
-            <pc:docMk/>
-            <pc:sldMk cId="2290146012" sldId="1321"/>
-            <ac:spMk id="4" creationId="{3F42D1A2-7EC5-3E4A-9EAC-676BB7791F4C}"/>
-          </ac:spMkLst>
-        </pc:spChg>
-      </pc:sldChg>
-      <pc:sldChg chg="modSp mod">
-        <pc:chgData name="Baráth, Július" userId="aebde9b9-dccc-4475-a9ac-c05e78323d7a" providerId="ADAL" clId="{42A09962-F7EC-9247-A99B-38C1D6F929C5}" dt="2024-11-21T12:16:42.712" v="5" actId="113"/>
-        <pc:sldMkLst>
-          <pc:docMk/>
-          <pc:sldMk cId="2741770625" sldId="1324"/>
-        </pc:sldMkLst>
-        <pc:spChg chg="mod">
-          <ac:chgData name="Baráth, Július" userId="aebde9b9-dccc-4475-a9ac-c05e78323d7a" providerId="ADAL" clId="{42A09962-F7EC-9247-A99B-38C1D6F929C5}" dt="2024-11-21T12:16:42.712" v="5" actId="113"/>
-          <ac:spMkLst>
-            <pc:docMk/>
-            <pc:sldMk cId="2741770625" sldId="1324"/>
-            <ac:spMk id="5" creationId="{2AA2E53E-A661-8347-8E17-34423A1C633A}"/>
-          </ac:spMkLst>
-        </pc:spChg>
-      </pc:sldChg>
-      <pc:sldChg chg="addSp modSp mod">
-        <pc:chgData name="Baráth, Július" userId="aebde9b9-dccc-4475-a9ac-c05e78323d7a" providerId="ADAL" clId="{42A09962-F7EC-9247-A99B-38C1D6F929C5}" dt="2024-11-21T12:17:54.512" v="44" actId="1076"/>
-        <pc:sldMkLst>
-          <pc:docMk/>
-          <pc:sldMk cId="2486330287" sldId="1325"/>
-        </pc:sldMkLst>
-        <pc:spChg chg="add mod">
-          <ac:chgData name="Baráth, Július" userId="aebde9b9-dccc-4475-a9ac-c05e78323d7a" providerId="ADAL" clId="{42A09962-F7EC-9247-A99B-38C1D6F929C5}" dt="2024-11-21T12:17:54.512" v="44" actId="1076"/>
-          <ac:spMkLst>
-            <pc:docMk/>
-            <pc:sldMk cId="2486330287" sldId="1325"/>
-            <ac:spMk id="5" creationId="{9A91D320-3A58-FC07-E1A4-62803D8C591C}"/>
-          </ac:spMkLst>
-        </pc:spChg>
-      </pc:sldChg>
-      <pc:sldChg chg="addSp modSp mod">
-        <pc:chgData name="Baráth, Július" userId="aebde9b9-dccc-4475-a9ac-c05e78323d7a" providerId="ADAL" clId="{42A09962-F7EC-9247-A99B-38C1D6F929C5}" dt="2024-11-21T12:23:58.288" v="51" actId="113"/>
-        <pc:sldMkLst>
-          <pc:docMk/>
-          <pc:sldMk cId="4051031186" sldId="1332"/>
-        </pc:sldMkLst>
-        <pc:spChg chg="add mod">
-          <ac:chgData name="Baráth, Július" userId="aebde9b9-dccc-4475-a9ac-c05e78323d7a" providerId="ADAL" clId="{42A09962-F7EC-9247-A99B-38C1D6F929C5}" dt="2024-11-21T12:23:58.288" v="51" actId="113"/>
-          <ac:spMkLst>
-            <pc:docMk/>
-            <pc:sldMk cId="4051031186" sldId="1332"/>
-            <ac:spMk id="2" creationId="{5A298843-C542-99D3-DB9E-B1070BD1E259}"/>
-          </ac:spMkLst>
-        </pc:spChg>
-      </pc:sldChg>
-      <pc:sldChg chg="modSp mod">
-        <pc:chgData name="Baráth, Július" userId="aebde9b9-dccc-4475-a9ac-c05e78323d7a" providerId="ADAL" clId="{42A09962-F7EC-9247-A99B-38C1D6F929C5}" dt="2024-11-21T12:27:39.574" v="52" actId="115"/>
-        <pc:sldMkLst>
-          <pc:docMk/>
-          <pc:sldMk cId="256403954" sldId="1336"/>
-        </pc:sldMkLst>
-        <pc:spChg chg="mod">
-          <ac:chgData name="Baráth, Július" userId="aebde9b9-dccc-4475-a9ac-c05e78323d7a" providerId="ADAL" clId="{42A09962-F7EC-9247-A99B-38C1D6F929C5}" dt="2024-11-21T12:27:39.574" v="52" actId="115"/>
-          <ac:spMkLst>
-            <pc:docMk/>
-            <pc:sldMk cId="256403954" sldId="1336"/>
-            <ac:spMk id="5" creationId="{E3AFBE2F-957F-E449-BA92-4B1694E45CBA}"/>
-          </ac:spMkLst>
-        </pc:spChg>
-      </pc:sldChg>
-      <pc:sldChg chg="modSp mod">
-        <pc:chgData name="Baráth, Július" userId="aebde9b9-dccc-4475-a9ac-c05e78323d7a" providerId="ADAL" clId="{42A09962-F7EC-9247-A99B-38C1D6F929C5}" dt="2024-11-21T12:32:05.636" v="54" actId="207"/>
-        <pc:sldMkLst>
-          <pc:docMk/>
-          <pc:sldMk cId="1475841781" sldId="1338"/>
-        </pc:sldMkLst>
-        <pc:spChg chg="mod">
-          <ac:chgData name="Baráth, Július" userId="aebde9b9-dccc-4475-a9ac-c05e78323d7a" providerId="ADAL" clId="{42A09962-F7EC-9247-A99B-38C1D6F929C5}" dt="2024-11-21T12:32:05.636" v="54" actId="207"/>
-          <ac:spMkLst>
-            <pc:docMk/>
-            <pc:sldMk cId="1475841781" sldId="1338"/>
-            <ac:spMk id="4" creationId="{4D06E838-F97B-DA45-9FDD-E1CA4FF82C3E}"/>
-          </ac:spMkLst>
-        </pc:spChg>
-      </pc:sldChg>
-      <pc:sldChg chg="modSp mod">
-        <pc:chgData name="Baráth, Július" userId="aebde9b9-dccc-4475-a9ac-c05e78323d7a" providerId="ADAL" clId="{42A09962-F7EC-9247-A99B-38C1D6F929C5}" dt="2024-11-21T12:35:58.446" v="56" actId="113"/>
-        <pc:sldMkLst>
-          <pc:docMk/>
-          <pc:sldMk cId="1450017936" sldId="1340"/>
-        </pc:sldMkLst>
-        <pc:spChg chg="mod">
-          <ac:chgData name="Baráth, Július" userId="aebde9b9-dccc-4475-a9ac-c05e78323d7a" providerId="ADAL" clId="{42A09962-F7EC-9247-A99B-38C1D6F929C5}" dt="2024-11-21T12:35:58.446" v="56" actId="113"/>
-          <ac:spMkLst>
-            <pc:docMk/>
-            <pc:sldMk cId="1450017936" sldId="1340"/>
-            <ac:spMk id="5" creationId="{745782FC-08A4-8E48-B281-918A3DCF9D3C}"/>
-          </ac:spMkLst>
-        </pc:spChg>
-      </pc:sldChg>
-    </pc:docChg>
-  </pc:docChgLst>
-  <pc:docChgLst>
-    <pc:chgData name="Július Baráth" userId="e650c4ab-697e-4750-bd58-c1531aabce95" providerId="ADAL" clId="{EFB602BB-BE12-EC43-ACC3-2293E28C7433}"/>
-    <pc:docChg chg="custSel modSld">
-      <pc:chgData name="Július Baráth" userId="e650c4ab-697e-4750-bd58-c1531aabce95" providerId="ADAL" clId="{EFB602BB-BE12-EC43-ACC3-2293E28C7433}" dt="2022-12-08T07:44:51.758" v="80" actId="115"/>
-      <pc:docMkLst>
-        <pc:docMk/>
-      </pc:docMkLst>
-      <pc:sldChg chg="modSp mod">
-        <pc:chgData name="Július Baráth" userId="e650c4ab-697e-4750-bd58-c1531aabce95" providerId="ADAL" clId="{EFB602BB-BE12-EC43-ACC3-2293E28C7433}" dt="2022-12-07T12:33:19.604" v="53" actId="113"/>
-        <pc:sldMkLst>
-          <pc:docMk/>
-          <pc:sldMk cId="3690372023" sldId="1315"/>
-        </pc:sldMkLst>
-      </pc:sldChg>
       <pc:sldChg chg="modSp">
-        <pc:chgData name="Július Baráth" userId="e650c4ab-697e-4750-bd58-c1531aabce95" providerId="ADAL" clId="{EFB602BB-BE12-EC43-ACC3-2293E28C7433}" dt="2022-12-07T13:36:19.940" v="54" actId="20578"/>
-        <pc:sldMkLst>
-          <pc:docMk/>
-          <pc:sldMk cId="3614837990" sldId="1316"/>
-        </pc:sldMkLst>
-      </pc:sldChg>
-      <pc:sldChg chg="modSp mod">
-        <pc:chgData name="Július Baráth" userId="e650c4ab-697e-4750-bd58-c1531aabce95" providerId="ADAL" clId="{EFB602BB-BE12-EC43-ACC3-2293E28C7433}" dt="2022-12-07T09:26:32.967" v="6" actId="20577"/>
-        <pc:sldMkLst>
-          <pc:docMk/>
-          <pc:sldMk cId="2290146012" sldId="1321"/>
-        </pc:sldMkLst>
-      </pc:sldChg>
-      <pc:sldChg chg="modSp mod">
-        <pc:chgData name="Július Baráth" userId="e650c4ab-697e-4750-bd58-c1531aabce95" providerId="ADAL" clId="{EFB602BB-BE12-EC43-ACC3-2293E28C7433}" dt="2022-12-08T07:29:31.731" v="78" actId="20577"/>
-        <pc:sldMkLst>
-          <pc:docMk/>
-          <pc:sldMk cId="1661235098" sldId="1322"/>
-        </pc:sldMkLst>
-      </pc:sldChg>
-      <pc:sldChg chg="modSp mod">
-        <pc:chgData name="Július Baráth" userId="e650c4ab-697e-4750-bd58-c1531aabce95" providerId="ADAL" clId="{EFB602BB-BE12-EC43-ACC3-2293E28C7433}" dt="2022-12-07T09:27:35.684" v="9" actId="20577"/>
-        <pc:sldMkLst>
-          <pc:docMk/>
-          <pc:sldMk cId="2741770625" sldId="1324"/>
-        </pc:sldMkLst>
-      </pc:sldChg>
-      <pc:sldChg chg="addSp modSp mod">
-        <pc:chgData name="Július Baráth" userId="e650c4ab-697e-4750-bd58-c1531aabce95" providerId="ADAL" clId="{EFB602BB-BE12-EC43-ACC3-2293E28C7433}" dt="2022-12-07T13:45:20.288" v="58" actId="20577"/>
-        <pc:sldMkLst>
-          <pc:docMk/>
-          <pc:sldMk cId="2486330287" sldId="1325"/>
-        </pc:sldMkLst>
-      </pc:sldChg>
-      <pc:sldChg chg="modSp mod">
-        <pc:chgData name="Július Baráth" userId="e650c4ab-697e-4750-bd58-c1531aabce95" providerId="ADAL" clId="{EFB602BB-BE12-EC43-ACC3-2293E28C7433}" dt="2022-12-07T13:45:38.874" v="59" actId="20577"/>
-        <pc:sldMkLst>
-          <pc:docMk/>
-          <pc:sldMk cId="3225389836" sldId="1326"/>
-        </pc:sldMkLst>
-      </pc:sldChg>
-      <pc:sldChg chg="modSp mod">
-        <pc:chgData name="Július Baráth" userId="e650c4ab-697e-4750-bd58-c1531aabce95" providerId="ADAL" clId="{EFB602BB-BE12-EC43-ACC3-2293E28C7433}" dt="2022-12-07T13:51:34.506" v="61" actId="115"/>
-        <pc:sldMkLst>
-          <pc:docMk/>
-          <pc:sldMk cId="2108689498" sldId="1330"/>
-        </pc:sldMkLst>
-      </pc:sldChg>
-      <pc:sldChg chg="modSp mod">
-        <pc:chgData name="Július Baráth" userId="e650c4ab-697e-4750-bd58-c1531aabce95" providerId="ADAL" clId="{EFB602BB-BE12-EC43-ACC3-2293E28C7433}" dt="2022-12-08T07:44:51.758" v="80" actId="115"/>
-        <pc:sldMkLst>
-          <pc:docMk/>
-          <pc:sldMk cId="4051031186" sldId="1332"/>
-        </pc:sldMkLst>
-      </pc:sldChg>
-      <pc:sldChg chg="modSp mod">
-        <pc:chgData name="Július Baráth" userId="e650c4ab-697e-4750-bd58-c1531aabce95" providerId="ADAL" clId="{EFB602BB-BE12-EC43-ACC3-2293E28C7433}" dt="2022-12-07T12:05:55.157" v="31" actId="115"/>
-        <pc:sldMkLst>
-          <pc:docMk/>
-          <pc:sldMk cId="772554341" sldId="1337"/>
-        </pc:sldMkLst>
-      </pc:sldChg>
-      <pc:sldChg chg="modSp mod">
-        <pc:chgData name="Július Baráth" userId="e650c4ab-697e-4750-bd58-c1531aabce95" providerId="ADAL" clId="{EFB602BB-BE12-EC43-ACC3-2293E28C7433}" dt="2022-12-07T14:00:37.894" v="71" actId="113"/>
-        <pc:sldMkLst>
-          <pc:docMk/>
-          <pc:sldMk cId="3618018609" sldId="1341"/>
-        </pc:sldMkLst>
-      </pc:sldChg>
-      <pc:sldChg chg="modSp mod">
-        <pc:chgData name="Július Baráth" userId="e650c4ab-697e-4750-bd58-c1531aabce95" providerId="ADAL" clId="{EFB602BB-BE12-EC43-ACC3-2293E28C7433}" dt="2022-12-07T12:15:28.169" v="42" actId="115"/>
-        <pc:sldMkLst>
-          <pc:docMk/>
-          <pc:sldMk cId="4195547170" sldId="1345"/>
-        </pc:sldMkLst>
-      </pc:sldChg>
-      <pc:sldChg chg="modSp mod">
-        <pc:chgData name="Július Baráth" userId="e650c4ab-697e-4750-bd58-c1531aabce95" providerId="ADAL" clId="{EFB602BB-BE12-EC43-ACC3-2293E28C7433}" dt="2022-12-07T14:06:05.200" v="74" actId="113"/>
-        <pc:sldMkLst>
-          <pc:docMk/>
-          <pc:sldMk cId="546525677" sldId="1346"/>
-        </pc:sldMkLst>
-      </pc:sldChg>
-      <pc:sldChg chg="modSp mod">
-        <pc:chgData name="Július Baráth" userId="e650c4ab-697e-4750-bd58-c1531aabce95" providerId="ADAL" clId="{EFB602BB-BE12-EC43-ACC3-2293E28C7433}" dt="2022-12-07T14:06:21.280" v="76" actId="113"/>
-        <pc:sldMkLst>
-          <pc:docMk/>
-          <pc:sldMk cId="3293001916" sldId="1347"/>
-        </pc:sldMkLst>
-      </pc:sldChg>
-      <pc:sldChg chg="modSp mod">
-        <pc:chgData name="Július Baráth" userId="e650c4ab-697e-4750-bd58-c1531aabce95" providerId="ADAL" clId="{EFB602BB-BE12-EC43-ACC3-2293E28C7433}" dt="2022-12-07T12:18:09.515" v="45" actId="113"/>
+        <pc:chgData name="Baráth, Július" userId="aebde9b9-dccc-4475-a9ac-c05e78323d7a" providerId="ADAL" clId="{4A0811C8-ED2F-505E-B787-C8270CED5046}" dt="2025-11-19T08:41:08.678" v="2"/>
         <pc:sldMkLst>
           <pc:docMk/>
           <pc:sldMk cId="4241222994" sldId="1348"/>
         </pc:sldMkLst>
+        <pc:spChg chg="mod">
+          <ac:chgData name="Baráth, Július" userId="aebde9b9-dccc-4475-a9ac-c05e78323d7a" providerId="ADAL" clId="{4A0811C8-ED2F-505E-B787-C8270CED5046}" dt="2025-11-19T08:41:08.678" v="2"/>
+          <ac:spMkLst>
+            <pc:docMk/>
+            <pc:sldMk cId="4241222994" sldId="1348"/>
+            <ac:spMk id="5" creationId="{D249CF34-AC70-C540-81AB-A3AAAF73CB6E}"/>
+          </ac:spMkLst>
+        </pc:spChg>
       </pc:sldChg>
-      <pc:sldChg chg="modSp mod">
-        <pc:chgData name="Július Baráth" userId="e650c4ab-697e-4750-bd58-c1531aabce95" providerId="ADAL" clId="{EFB602BB-BE12-EC43-ACC3-2293E28C7433}" dt="2022-12-07T12:29:56.593" v="49" actId="115"/>
+      <pc:sldChg chg="addSp modSp">
+        <pc:chgData name="Baráth, Július" userId="aebde9b9-dccc-4475-a9ac-c05e78323d7a" providerId="ADAL" clId="{4A0811C8-ED2F-505E-B787-C8270CED5046}" dt="2025-11-19T08:37:51.981" v="1"/>
         <pc:sldMkLst>
           <pc:docMk/>
           <pc:sldMk cId="167174969" sldId="1349"/>
         </pc:sldMkLst>
-      </pc:sldChg>
-      <pc:sldChg chg="modSp mod">
-        <pc:chgData name="Július Baráth" userId="e650c4ab-697e-4750-bd58-c1531aabce95" providerId="ADAL" clId="{EFB602BB-BE12-EC43-ACC3-2293E28C7433}" dt="2022-12-07T12:29:06.409" v="47" actId="115"/>
-        <pc:sldMkLst>
-          <pc:docMk/>
-          <pc:sldMk cId="3094811389" sldId="1350"/>
-        </pc:sldMkLst>
-      </pc:sldChg>
-      <pc:sldChg chg="modSp mod">
-        <pc:chgData name="Július Baráth" userId="e650c4ab-697e-4750-bd58-c1531aabce95" providerId="ADAL" clId="{EFB602BB-BE12-EC43-ACC3-2293E28C7433}" dt="2022-12-07T12:31:05.692" v="50" actId="115"/>
-        <pc:sldMkLst>
-          <pc:docMk/>
-          <pc:sldMk cId="3373295572" sldId="1351"/>
-        </pc:sldMkLst>
-      </pc:sldChg>
-      <pc:sldChg chg="modSp mod">
-        <pc:chgData name="Július Baráth" userId="e650c4ab-697e-4750-bd58-c1531aabce95" providerId="ADAL" clId="{EFB602BB-BE12-EC43-ACC3-2293E28C7433}" dt="2022-12-08T07:39:05.347" v="79" actId="115"/>
-        <pc:sldMkLst>
-          <pc:docMk/>
-          <pc:sldMk cId="480294283" sldId="1364"/>
-        </pc:sldMkLst>
-      </pc:sldChg>
-      <pc:sldChg chg="addSp modSp mod">
-        <pc:chgData name="Július Baráth" userId="e650c4ab-697e-4750-bd58-c1531aabce95" providerId="ADAL" clId="{EFB602BB-BE12-EC43-ACC3-2293E28C7433}" dt="2022-12-07T12:08:20.273" v="39" actId="1076"/>
-        <pc:sldMkLst>
-          <pc:docMk/>
-          <pc:sldMk cId="758327484" sldId="1365"/>
-        </pc:sldMkLst>
-      </pc:sldChg>
-    </pc:docChg>
-  </pc:docChgLst>
-  <pc:docChgLst>
-    <pc:chgData name="Július Baráth" userId="e650c4ab-697e-4750-bd58-c1531aabce95" providerId="ADAL" clId="{DC3EDF5B-3E54-ED4B-9196-B4D327749419}"/>
-    <pc:docChg chg="delSld">
-      <pc:chgData name="Július Baráth" userId="e650c4ab-697e-4750-bd58-c1531aabce95" providerId="ADAL" clId="{DC3EDF5B-3E54-ED4B-9196-B4D327749419}" dt="2020-09-17T07:58:54.099" v="25" actId="2696"/>
-      <pc:docMkLst>
-        <pc:docMk/>
-      </pc:docMkLst>
-      <pc:sldChg chg="del">
-        <pc:chgData name="Július Baráth" userId="e650c4ab-697e-4750-bd58-c1531aabce95" providerId="ADAL" clId="{DC3EDF5B-3E54-ED4B-9196-B4D327749419}" dt="2020-09-17T07:57:55.778" v="0" actId="2696"/>
-        <pc:sldMkLst>
-          <pc:docMk/>
-          <pc:sldMk cId="343650477" sldId="513"/>
-        </pc:sldMkLst>
-      </pc:sldChg>
-      <pc:sldChg chg="del">
-        <pc:chgData name="Július Baráth" userId="e650c4ab-697e-4750-bd58-c1531aabce95" providerId="ADAL" clId="{DC3EDF5B-3E54-ED4B-9196-B4D327749419}" dt="2020-09-17T07:57:55.793" v="1" actId="2696"/>
-        <pc:sldMkLst>
-          <pc:docMk/>
-          <pc:sldMk cId="2145273728" sldId="763"/>
-        </pc:sldMkLst>
-      </pc:sldChg>
-      <pc:sldChg chg="del">
-        <pc:chgData name="Július Baráth" userId="e650c4ab-697e-4750-bd58-c1531aabce95" providerId="ADAL" clId="{DC3EDF5B-3E54-ED4B-9196-B4D327749419}" dt="2020-09-17T07:58:54.091" v="24" actId="2696"/>
-        <pc:sldMkLst>
-          <pc:docMk/>
-          <pc:sldMk cId="3271745509" sldId="874"/>
-        </pc:sldMkLst>
-      </pc:sldChg>
-      <pc:sldChg chg="del">
-        <pc:chgData name="Július Baráth" userId="e650c4ab-697e-4750-bd58-c1531aabce95" providerId="ADAL" clId="{DC3EDF5B-3E54-ED4B-9196-B4D327749419}" dt="2020-09-17T07:58:54.059" v="20" actId="2696"/>
-        <pc:sldMkLst>
-          <pc:docMk/>
-          <pc:sldMk cId="410599242" sldId="957"/>
-        </pc:sldMkLst>
-      </pc:sldChg>
-      <pc:sldChg chg="del">
-        <pc:chgData name="Július Baráth" userId="e650c4ab-697e-4750-bd58-c1531aabce95" providerId="ADAL" clId="{DC3EDF5B-3E54-ED4B-9196-B4D327749419}" dt="2020-09-17T07:57:55.835" v="4" actId="2696"/>
-        <pc:sldMkLst>
-          <pc:docMk/>
-          <pc:sldMk cId="2109317603" sldId="1052"/>
-        </pc:sldMkLst>
-      </pc:sldChg>
-      <pc:sldChg chg="del">
-        <pc:chgData name="Július Baráth" userId="e650c4ab-697e-4750-bd58-c1531aabce95" providerId="ADAL" clId="{DC3EDF5B-3E54-ED4B-9196-B4D327749419}" dt="2020-09-17T07:57:55.863" v="6" actId="2696"/>
-        <pc:sldMkLst>
-          <pc:docMk/>
-          <pc:sldMk cId="1129576059" sldId="1069"/>
-        </pc:sldMkLst>
-      </pc:sldChg>
-      <pc:sldChg chg="del">
-        <pc:chgData name="Július Baráth" userId="e650c4ab-697e-4750-bd58-c1531aabce95" providerId="ADAL" clId="{DC3EDF5B-3E54-ED4B-9196-B4D327749419}" dt="2020-09-17T07:58:00.516" v="10" actId="2696"/>
-        <pc:sldMkLst>
-          <pc:docMk/>
-          <pc:sldMk cId="3943937825" sldId="1108"/>
-        </pc:sldMkLst>
-      </pc:sldChg>
-      <pc:sldChg chg="del">
-        <pc:chgData name="Július Baráth" userId="e650c4ab-697e-4750-bd58-c1531aabce95" providerId="ADAL" clId="{DC3EDF5B-3E54-ED4B-9196-B4D327749419}" dt="2020-09-17T07:58:54.067" v="21" actId="2696"/>
-        <pc:sldMkLst>
-          <pc:docMk/>
-          <pc:sldMk cId="2929623157" sldId="1138"/>
-        </pc:sldMkLst>
-      </pc:sldChg>
-      <pc:sldChg chg="del">
-        <pc:chgData name="Július Baráth" userId="e650c4ab-697e-4750-bd58-c1531aabce95" providerId="ADAL" clId="{DC3EDF5B-3E54-ED4B-9196-B4D327749419}" dt="2020-09-17T07:58:02.810" v="11" actId="2696"/>
-        <pc:sldMkLst>
-          <pc:docMk/>
-          <pc:sldMk cId="175850698" sldId="1187"/>
-        </pc:sldMkLst>
-      </pc:sldChg>
-      <pc:sldChg chg="del">
-        <pc:chgData name="Július Baráth" userId="e650c4ab-697e-4750-bd58-c1531aabce95" providerId="ADAL" clId="{DC3EDF5B-3E54-ED4B-9196-B4D327749419}" dt="2020-09-17T07:58:14.485" v="12" actId="2696"/>
-        <pc:sldMkLst>
-          <pc:docMk/>
-          <pc:sldMk cId="4215459012" sldId="1189"/>
-        </pc:sldMkLst>
-      </pc:sldChg>
-      <pc:sldChg chg="del">
-        <pc:chgData name="Július Baráth" userId="e650c4ab-697e-4750-bd58-c1531aabce95" providerId="ADAL" clId="{DC3EDF5B-3E54-ED4B-9196-B4D327749419}" dt="2020-09-17T07:58:19.009" v="13" actId="2696"/>
-        <pc:sldMkLst>
-          <pc:docMk/>
-          <pc:sldMk cId="1069385919" sldId="1194"/>
-        </pc:sldMkLst>
-      </pc:sldChg>
-      <pc:sldChg chg="del">
-        <pc:chgData name="Július Baráth" userId="e650c4ab-697e-4750-bd58-c1531aabce95" providerId="ADAL" clId="{DC3EDF5B-3E54-ED4B-9196-B4D327749419}" dt="2020-09-17T07:57:55.821" v="3" actId="2696"/>
-        <pc:sldMkLst>
-          <pc:docMk/>
-          <pc:sldMk cId="2625469064" sldId="1209"/>
-        </pc:sldMkLst>
-      </pc:sldChg>
-      <pc:sldChg chg="del">
-        <pc:chgData name="Július Baráth" userId="e650c4ab-697e-4750-bd58-c1531aabce95" providerId="ADAL" clId="{DC3EDF5B-3E54-ED4B-9196-B4D327749419}" dt="2020-09-17T07:58:23.248" v="14" actId="2696"/>
-        <pc:sldMkLst>
-          <pc:docMk/>
-          <pc:sldMk cId="262308121" sldId="1277"/>
-        </pc:sldMkLst>
-      </pc:sldChg>
-      <pc:sldChg chg="del">
-        <pc:chgData name="Július Baráth" userId="e650c4ab-697e-4750-bd58-c1531aabce95" providerId="ADAL" clId="{DC3EDF5B-3E54-ED4B-9196-B4D327749419}" dt="2020-09-17T07:58:33.124" v="15" actId="2696"/>
-        <pc:sldMkLst>
-          <pc:docMk/>
-          <pc:sldMk cId="1331031089" sldId="1312"/>
-        </pc:sldMkLst>
-      </pc:sldChg>
-      <pc:sldChg chg="del">
-        <pc:chgData name="Július Baráth" userId="e650c4ab-697e-4750-bd58-c1531aabce95" providerId="ADAL" clId="{DC3EDF5B-3E54-ED4B-9196-B4D327749419}" dt="2020-09-17T07:57:55.849" v="5" actId="2696"/>
-        <pc:sldMkLst>
-          <pc:docMk/>
-          <pc:sldMk cId="2539734740" sldId="1313"/>
-        </pc:sldMkLst>
-      </pc:sldChg>
-      <pc:sldChg chg="del">
-        <pc:chgData name="Július Baráth" userId="e650c4ab-697e-4750-bd58-c1531aabce95" providerId="ADAL" clId="{DC3EDF5B-3E54-ED4B-9196-B4D327749419}" dt="2020-09-17T07:58:41.009" v="16" actId="2696"/>
-        <pc:sldMkLst>
-          <pc:docMk/>
-          <pc:sldMk cId="1468966644" sldId="1353"/>
-        </pc:sldMkLst>
-      </pc:sldChg>
-      <pc:sldChg chg="del">
-        <pc:chgData name="Július Baráth" userId="e650c4ab-697e-4750-bd58-c1531aabce95" providerId="ADAL" clId="{DC3EDF5B-3E54-ED4B-9196-B4D327749419}" dt="2020-09-17T07:58:43.866" v="17" actId="2696"/>
-        <pc:sldMkLst>
-          <pc:docMk/>
-          <pc:sldMk cId="341292568" sldId="1354"/>
-        </pc:sldMkLst>
-      </pc:sldChg>
-      <pc:sldChg chg="del">
-        <pc:chgData name="Július Baráth" userId="e650c4ab-697e-4750-bd58-c1531aabce95" providerId="ADAL" clId="{DC3EDF5B-3E54-ED4B-9196-B4D327749419}" dt="2020-09-17T07:58:46.150" v="18" actId="2696"/>
-        <pc:sldMkLst>
-          <pc:docMk/>
-          <pc:sldMk cId="490583371" sldId="1355"/>
-        </pc:sldMkLst>
-      </pc:sldChg>
-      <pc:sldChg chg="del">
-        <pc:chgData name="Július Baráth" userId="e650c4ab-697e-4750-bd58-c1531aabce95" providerId="ADAL" clId="{DC3EDF5B-3E54-ED4B-9196-B4D327749419}" dt="2020-09-17T07:58:47.895" v="19" actId="2696"/>
-        <pc:sldMkLst>
-          <pc:docMk/>
-          <pc:sldMk cId="3774963956" sldId="1356"/>
-        </pc:sldMkLst>
-      </pc:sldChg>
-      <pc:sldChg chg="del">
-        <pc:chgData name="Július Baráth" userId="e650c4ab-697e-4750-bd58-c1531aabce95" providerId="ADAL" clId="{DC3EDF5B-3E54-ED4B-9196-B4D327749419}" dt="2020-09-17T07:58:54.082" v="23" actId="2696"/>
-        <pc:sldMkLst>
-          <pc:docMk/>
-          <pc:sldMk cId="2818667760" sldId="1357"/>
-        </pc:sldMkLst>
-      </pc:sldChg>
-      <pc:sldChg chg="del">
-        <pc:chgData name="Július Baráth" userId="e650c4ab-697e-4750-bd58-c1531aabce95" providerId="ADAL" clId="{DC3EDF5B-3E54-ED4B-9196-B4D327749419}" dt="2020-09-17T07:58:54.075" v="22" actId="2696"/>
-        <pc:sldMkLst>
-          <pc:docMk/>
-          <pc:sldMk cId="3973010845" sldId="1358"/>
-        </pc:sldMkLst>
-      </pc:sldChg>
-      <pc:sldChg chg="del">
-        <pc:chgData name="Július Baráth" userId="e650c4ab-697e-4750-bd58-c1531aabce95" providerId="ADAL" clId="{DC3EDF5B-3E54-ED4B-9196-B4D327749419}" dt="2020-09-17T07:58:54.099" v="25" actId="2696"/>
-        <pc:sldMkLst>
-          <pc:docMk/>
-          <pc:sldMk cId="146069251" sldId="1359"/>
-        </pc:sldMkLst>
-      </pc:sldChg>
-      <pc:sldChg chg="del">
-        <pc:chgData name="Július Baráth" userId="e650c4ab-697e-4750-bd58-c1531aabce95" providerId="ADAL" clId="{DC3EDF5B-3E54-ED4B-9196-B4D327749419}" dt="2020-09-17T07:57:55.892" v="8" actId="2696"/>
-        <pc:sldMkLst>
-          <pc:docMk/>
-          <pc:sldMk cId="2025222524" sldId="1360"/>
-        </pc:sldMkLst>
-      </pc:sldChg>
-      <pc:sldChg chg="del">
-        <pc:chgData name="Július Baráth" userId="e650c4ab-697e-4750-bd58-c1531aabce95" providerId="ADAL" clId="{DC3EDF5B-3E54-ED4B-9196-B4D327749419}" dt="2020-09-17T07:57:55.877" v="7" actId="2696"/>
-        <pc:sldMkLst>
-          <pc:docMk/>
-          <pc:sldMk cId="3125377908" sldId="1361"/>
-        </pc:sldMkLst>
-      </pc:sldChg>
-      <pc:sldChg chg="del">
-        <pc:chgData name="Július Baráth" userId="e650c4ab-697e-4750-bd58-c1531aabce95" providerId="ADAL" clId="{DC3EDF5B-3E54-ED4B-9196-B4D327749419}" dt="2020-09-17T07:57:55.808" v="2" actId="2696"/>
-        <pc:sldMkLst>
-          <pc:docMk/>
-          <pc:sldMk cId="218268727" sldId="1362"/>
-        </pc:sldMkLst>
-      </pc:sldChg>
-      <pc:sldChg chg="del">
-        <pc:chgData name="Július Baráth" userId="e650c4ab-697e-4750-bd58-c1531aabce95" providerId="ADAL" clId="{DC3EDF5B-3E54-ED4B-9196-B4D327749419}" dt="2020-09-17T07:57:55.906" v="9" actId="2696"/>
-        <pc:sldMkLst>
-          <pc:docMk/>
-          <pc:sldMk cId="3345974629" sldId="1363"/>
-        </pc:sldMkLst>
+        <pc:spChg chg="add mod">
+          <ac:chgData name="Baráth, Július" userId="aebde9b9-dccc-4475-a9ac-c05e78323d7a" providerId="ADAL" clId="{4A0811C8-ED2F-505E-B787-C8270CED5046}" dt="2025-11-19T08:37:51.981" v="1"/>
+          <ac:spMkLst>
+            <pc:docMk/>
+            <pc:sldMk cId="167174969" sldId="1349"/>
+            <ac:spMk id="2" creationId="{F7ECA304-502B-4E09-72DF-65167EF7FC35}"/>
+          </ac:spMkLst>
+        </pc:spChg>
       </pc:sldChg>
     </pc:docChg>
   </pc:docChgLst>
@@ -927,7 +378,7 @@
           <a:p>
             <a:fld id="{136337D9-3022-3D41-8D8A-BDF2F3B0DD8E}" type="datetimeFigureOut">
               <a:rPr lang="en-US" smtClean="0"/>
-              <a:t>11/21/24</a:t>
+              <a:t>11/19/25</a:t>
             </a:fld>
             <a:endParaRPr lang="en-US" dirty="0"/>
           </a:p>
@@ -39897,6 +39348,114 @@
           </a:p>
         </p:txBody>
       </p:sp>
+      <p:sp>
+        <p:nvSpPr>
+          <p:cNvPr id="4" name="BlokTextu 3">
+            <a:extLst>
+              <a:ext uri="{FF2B5EF4-FFF2-40B4-BE49-F238E27FC236}">
+                <a16:creationId xmlns:a16="http://schemas.microsoft.com/office/drawing/2014/main" id="{84873480-C0E7-2C77-612C-CE9D53BB691E}"/>
+              </a:ext>
+            </a:extLst>
+          </p:cNvPr>
+          <p:cNvSpPr txBox="1"/>
+          <p:nvPr/>
+        </p:nvSpPr>
+        <p:spPr>
+          <a:xfrm>
+            <a:off x="2563792" y="2645228"/>
+            <a:ext cx="5833641" cy="2031325"/>
+          </a:xfrm>
+          <a:prstGeom prst="rect">
+            <a:avLst/>
+          </a:prstGeom>
+          <a:noFill/>
+        </p:spPr>
+        <p:txBody>
+          <a:bodyPr wrap="square">
+            <a:spAutoFit/>
+          </a:bodyPr>
+          <a:lstStyle/>
+          <a:p>
+            <a:pPr>
+              <a:buNone/>
+            </a:pPr>
+            <a:r>
+              <a:rPr lang="sk-SK" b="1" dirty="0">
+                <a:solidFill>
+                  <a:schemeClr val="bg1"/>
+                </a:solidFill>
+              </a:rPr>
+              <a:t>Vzťah v skratke:</a:t>
+            </a:r>
+          </a:p>
+          <a:p>
+            <a:pPr>
+              <a:buFont typeface="Arial" panose="020B0604020202020204" pitchFamily="34" charset="0"/>
+              <a:buChar char="•"/>
+            </a:pPr>
+            <a:r>
+              <a:rPr lang="sk-SK" b="1" dirty="0">
+                <a:solidFill>
+                  <a:schemeClr val="bg1"/>
+                </a:solidFill>
+              </a:rPr>
+              <a:t>IBN</a:t>
+            </a:r>
+            <a:r>
+              <a:rPr lang="sk-SK" dirty="0">
+                <a:solidFill>
+                  <a:schemeClr val="bg1"/>
+                </a:solidFill>
+              </a:rPr>
+              <a:t> = filozofia / koncept (sieť podľa zámerov).</a:t>
+            </a:r>
+          </a:p>
+          <a:p>
+            <a:pPr>
+              <a:buFont typeface="Arial" panose="020B0604020202020204" pitchFamily="34" charset="0"/>
+              <a:buChar char="•"/>
+            </a:pPr>
+            <a:r>
+              <a:rPr lang="sk-SK" b="1" dirty="0">
+                <a:solidFill>
+                  <a:schemeClr val="bg1"/>
+                </a:solidFill>
+              </a:rPr>
+              <a:t>Cisco DNA</a:t>
+            </a:r>
+            <a:r>
+              <a:rPr lang="sk-SK" dirty="0">
+                <a:solidFill>
+                  <a:schemeClr val="bg1"/>
+                </a:solidFill>
+              </a:rPr>
+              <a:t> = architektúra, ktorá tento koncept implementuje.</a:t>
+            </a:r>
+          </a:p>
+          <a:p>
+            <a:pPr>
+              <a:buFont typeface="Arial" panose="020B0604020202020204" pitchFamily="34" charset="0"/>
+              <a:buChar char="•"/>
+            </a:pPr>
+            <a:r>
+              <a:rPr lang="sk-SK" b="1" dirty="0">
+                <a:solidFill>
+                  <a:schemeClr val="bg1"/>
+                </a:solidFill>
+              </a:rPr>
+              <a:t>Cisco DNA Center</a:t>
+            </a:r>
+            <a:r>
+              <a:rPr lang="sk-SK" dirty="0">
+                <a:solidFill>
+                  <a:schemeClr val="bg1"/>
+                </a:solidFill>
+              </a:rPr>
+              <a:t> = konkrétny nástroj, ktorý umožňuje IBN realizovať (automatizácia, monitoring, politiky).</a:t>
+            </a:r>
+          </a:p>
+        </p:txBody>
+      </p:sp>
     </p:spTree>
     <p:custDataLst>
       <p:tags r:id="rId1"/>
@@ -40920,8 +40479,403 @@
                   <a:srgbClr val="000000"/>
                 </a:solidFill>
               </a:rPr>
-              <a:t>. The business intent is securely deployed into the network infrastructure (the fabric). Cisco DNA then continuously gathers data from a multitude of sources (devices and applications) to provide a rich context of information. This information can then be analyzed to make sure the network is performing securely at its optimal level and in accordance with business intent and network policies.</a:t>
-            </a:r>
+              <a:t>.</a:t>
+            </a:r>
+          </a:p>
+          <a:p>
+            <a:pPr marL="0" indent="0" algn="l"/>
+            <a:r>
+              <a:rPr lang="sk-SK" sz="1600" b="1" dirty="0">
+                <a:solidFill>
+                  <a:srgbClr val="000000"/>
+                </a:solidFill>
+              </a:rPr>
+              <a:t>Cisco DNA </a:t>
+            </a:r>
+            <a:r>
+              <a:rPr lang="sk-SK" sz="1600" b="1" dirty="0" err="1">
+                <a:solidFill>
+                  <a:srgbClr val="000000"/>
+                </a:solidFill>
+              </a:rPr>
+              <a:t>is</a:t>
+            </a:r>
+            <a:r>
+              <a:rPr lang="sk-SK" sz="1600" b="1" dirty="0">
+                <a:solidFill>
+                  <a:srgbClr val="000000"/>
+                </a:solidFill>
+              </a:rPr>
+              <a:t> </a:t>
+            </a:r>
+            <a:r>
+              <a:rPr lang="sk-SK" sz="1800" dirty="0">
+                <a:solidFill>
+                  <a:srgbClr val="000000"/>
+                </a:solidFill>
+              </a:rPr>
+              <a:t>a </a:t>
+            </a:r>
+            <a:r>
+              <a:rPr lang="sk-SK" sz="1800" dirty="0" err="1">
+                <a:solidFill>
+                  <a:srgbClr val="000000"/>
+                </a:solidFill>
+              </a:rPr>
+              <a:t>platform</a:t>
+            </a:r>
+            <a:r>
+              <a:rPr lang="sk-SK" sz="1800" dirty="0">
+                <a:solidFill>
+                  <a:srgbClr val="000000"/>
+                </a:solidFill>
+              </a:rPr>
+              <a:t> </a:t>
+            </a:r>
+            <a:r>
+              <a:rPr lang="sk-SK" sz="1800" dirty="0" err="1">
+                <a:solidFill>
+                  <a:srgbClr val="000000"/>
+                </a:solidFill>
+              </a:rPr>
+              <a:t>from</a:t>
+            </a:r>
+            <a:r>
+              <a:rPr lang="sk-SK" sz="1800" dirty="0">
+                <a:solidFill>
+                  <a:srgbClr val="000000"/>
+                </a:solidFill>
+              </a:rPr>
+              <a:t> Cisco </a:t>
+            </a:r>
+            <a:r>
+              <a:rPr lang="sk-SK" sz="1800" dirty="0" err="1">
+                <a:solidFill>
+                  <a:srgbClr val="000000"/>
+                </a:solidFill>
+              </a:rPr>
+              <a:t>designed</a:t>
+            </a:r>
+            <a:r>
+              <a:rPr lang="sk-SK" sz="1800" dirty="0">
+                <a:solidFill>
+                  <a:srgbClr val="000000"/>
+                </a:solidFill>
+              </a:rPr>
+              <a:t> </a:t>
+            </a:r>
+            <a:r>
+              <a:rPr lang="sk-SK" sz="1800" dirty="0" err="1">
+                <a:solidFill>
+                  <a:srgbClr val="000000"/>
+                </a:solidFill>
+              </a:rPr>
+              <a:t>for</a:t>
+            </a:r>
+            <a:r>
+              <a:rPr lang="sk-SK" sz="1800" dirty="0">
+                <a:solidFill>
+                  <a:srgbClr val="000000"/>
+                </a:solidFill>
+              </a:rPr>
+              <a:t> </a:t>
+            </a:r>
+            <a:r>
+              <a:rPr lang="sk-SK" sz="1800" dirty="0" err="1">
+                <a:solidFill>
+                  <a:srgbClr val="000000"/>
+                </a:solidFill>
+              </a:rPr>
+              <a:t>automation</a:t>
+            </a:r>
+            <a:r>
+              <a:rPr lang="sk-SK" sz="1800" dirty="0">
+                <a:solidFill>
+                  <a:srgbClr val="000000"/>
+                </a:solidFill>
+              </a:rPr>
+              <a:t>, management, and </a:t>
+            </a:r>
+            <a:r>
+              <a:rPr lang="sk-SK" sz="1800" dirty="0" err="1">
+                <a:solidFill>
+                  <a:srgbClr val="000000"/>
+                </a:solidFill>
+              </a:rPr>
+              <a:t>security</a:t>
+            </a:r>
+            <a:r>
+              <a:rPr lang="sk-SK" sz="1800" dirty="0">
+                <a:solidFill>
+                  <a:srgbClr val="000000"/>
+                </a:solidFill>
+              </a:rPr>
+              <a:t> of </a:t>
+            </a:r>
+            <a:r>
+              <a:rPr lang="sk-SK" sz="1800" dirty="0" err="1">
+                <a:solidFill>
+                  <a:srgbClr val="000000"/>
+                </a:solidFill>
+              </a:rPr>
+              <a:t>enterprise</a:t>
+            </a:r>
+            <a:r>
+              <a:rPr lang="sk-SK" sz="1800" dirty="0">
+                <a:solidFill>
+                  <a:srgbClr val="000000"/>
+                </a:solidFill>
+              </a:rPr>
+              <a:t> </a:t>
+            </a:r>
+            <a:r>
+              <a:rPr lang="sk-SK" sz="1800" dirty="0" err="1">
+                <a:solidFill>
+                  <a:srgbClr val="000000"/>
+                </a:solidFill>
+              </a:rPr>
+              <a:t>networks</a:t>
+            </a:r>
+            <a:r>
+              <a:rPr lang="sk-SK" sz="1800" dirty="0">
+                <a:solidFill>
+                  <a:srgbClr val="000000"/>
+                </a:solidFill>
+              </a:rPr>
+              <a:t>. </a:t>
+            </a:r>
+          </a:p>
+          <a:p>
+            <a:pPr marL="0" indent="0" algn="l"/>
+            <a:r>
+              <a:rPr lang="sk-SK" sz="1800" dirty="0" err="1">
+                <a:solidFill>
+                  <a:srgbClr val="000000"/>
+                </a:solidFill>
+              </a:rPr>
+              <a:t>It</a:t>
+            </a:r>
+            <a:r>
+              <a:rPr lang="sk-SK" sz="1800" dirty="0">
+                <a:solidFill>
+                  <a:srgbClr val="000000"/>
+                </a:solidFill>
+              </a:rPr>
+              <a:t> </a:t>
+            </a:r>
+            <a:r>
+              <a:rPr lang="sk-SK" sz="1800" dirty="0" err="1">
+                <a:solidFill>
+                  <a:srgbClr val="000000"/>
+                </a:solidFill>
+              </a:rPr>
+              <a:t>represents</a:t>
+            </a:r>
+            <a:r>
+              <a:rPr lang="sk-SK" sz="1800" dirty="0">
+                <a:solidFill>
+                  <a:srgbClr val="000000"/>
+                </a:solidFill>
+              </a:rPr>
+              <a:t> a </a:t>
+            </a:r>
+            <a:r>
+              <a:rPr lang="sk-SK" sz="1800" dirty="0" err="1">
+                <a:solidFill>
+                  <a:srgbClr val="000000"/>
+                </a:solidFill>
+              </a:rPr>
+              <a:t>modern</a:t>
+            </a:r>
+            <a:r>
+              <a:rPr lang="sk-SK" sz="1800" dirty="0">
+                <a:solidFill>
+                  <a:srgbClr val="000000"/>
+                </a:solidFill>
+              </a:rPr>
+              <a:t> </a:t>
+            </a:r>
+            <a:r>
+              <a:rPr lang="sk-SK" sz="1800" dirty="0" err="1">
+                <a:solidFill>
+                  <a:srgbClr val="000000"/>
+                </a:solidFill>
+              </a:rPr>
+              <a:t>approach</a:t>
+            </a:r>
+            <a:r>
+              <a:rPr lang="sk-SK" sz="1800" dirty="0">
+                <a:solidFill>
+                  <a:srgbClr val="000000"/>
+                </a:solidFill>
+              </a:rPr>
+              <a:t> to </a:t>
+            </a:r>
+            <a:r>
+              <a:rPr lang="sk-SK" sz="1800" dirty="0" err="1">
+                <a:solidFill>
+                  <a:srgbClr val="000000"/>
+                </a:solidFill>
+              </a:rPr>
+              <a:t>network</a:t>
+            </a:r>
+            <a:r>
+              <a:rPr lang="sk-SK" sz="1800" dirty="0">
+                <a:solidFill>
+                  <a:srgbClr val="000000"/>
+                </a:solidFill>
+              </a:rPr>
+              <a:t> </a:t>
+            </a:r>
+            <a:r>
+              <a:rPr lang="sk-SK" sz="1800" dirty="0" err="1">
+                <a:solidFill>
+                  <a:srgbClr val="000000"/>
+                </a:solidFill>
+              </a:rPr>
+              <a:t>infrastructure</a:t>
+            </a:r>
+            <a:r>
+              <a:rPr lang="sk-SK" sz="1800" dirty="0">
+                <a:solidFill>
+                  <a:srgbClr val="000000"/>
+                </a:solidFill>
+              </a:rPr>
+              <a:t>, </a:t>
+            </a:r>
+            <a:r>
+              <a:rPr lang="sk-SK" sz="1800" dirty="0" err="1">
+                <a:solidFill>
+                  <a:srgbClr val="000000"/>
+                </a:solidFill>
+              </a:rPr>
+              <a:t>leveraging</a:t>
+            </a:r>
+            <a:r>
+              <a:rPr lang="sk-SK" sz="1800" dirty="0">
+                <a:solidFill>
+                  <a:srgbClr val="000000"/>
+                </a:solidFill>
+              </a:rPr>
+              <a:t> </a:t>
+            </a:r>
+            <a:r>
+              <a:rPr lang="sk-SK" sz="1800" dirty="0" err="1">
+                <a:solidFill>
+                  <a:srgbClr val="000000"/>
+                </a:solidFill>
+              </a:rPr>
+              <a:t>principles</a:t>
+            </a:r>
+            <a:r>
+              <a:rPr lang="sk-SK" sz="1800" dirty="0">
+                <a:solidFill>
+                  <a:srgbClr val="000000"/>
+                </a:solidFill>
+              </a:rPr>
+              <a:t> of Software-</a:t>
+            </a:r>
+            <a:r>
+              <a:rPr lang="sk-SK" sz="1800" dirty="0" err="1">
+                <a:solidFill>
+                  <a:srgbClr val="000000"/>
+                </a:solidFill>
+              </a:rPr>
+              <a:t>Defined</a:t>
+            </a:r>
+            <a:r>
+              <a:rPr lang="sk-SK" sz="1800" dirty="0">
+                <a:solidFill>
+                  <a:srgbClr val="000000"/>
+                </a:solidFill>
+              </a:rPr>
+              <a:t> </a:t>
+            </a:r>
+            <a:r>
+              <a:rPr lang="sk-SK" sz="1800" dirty="0" err="1">
+                <a:solidFill>
+                  <a:srgbClr val="000000"/>
+                </a:solidFill>
+              </a:rPr>
+              <a:t>Networking</a:t>
+            </a:r>
+            <a:r>
+              <a:rPr lang="sk-SK" sz="1800" dirty="0">
+                <a:solidFill>
+                  <a:srgbClr val="000000"/>
+                </a:solidFill>
+              </a:rPr>
+              <a:t> (SDN) and </a:t>
+            </a:r>
+            <a:r>
+              <a:rPr lang="sk-SK" sz="1800" dirty="0" err="1">
+                <a:solidFill>
+                  <a:srgbClr val="000000"/>
+                </a:solidFill>
+              </a:rPr>
+              <a:t>artificial</a:t>
+            </a:r>
+            <a:r>
+              <a:rPr lang="sk-SK" sz="1800" dirty="0">
+                <a:solidFill>
+                  <a:srgbClr val="000000"/>
+                </a:solidFill>
+              </a:rPr>
+              <a:t> </a:t>
+            </a:r>
+            <a:r>
+              <a:rPr lang="sk-SK" sz="1800" dirty="0" err="1">
+                <a:solidFill>
+                  <a:srgbClr val="000000"/>
+                </a:solidFill>
+              </a:rPr>
+              <a:t>intelligence</a:t>
+            </a:r>
+            <a:r>
+              <a:rPr lang="sk-SK" sz="1800" dirty="0">
+                <a:solidFill>
+                  <a:srgbClr val="000000"/>
+                </a:solidFill>
+              </a:rPr>
+              <a:t> to </a:t>
+            </a:r>
+            <a:r>
+              <a:rPr lang="sk-SK" sz="1800" dirty="0" err="1">
+                <a:solidFill>
+                  <a:srgbClr val="000000"/>
+                </a:solidFill>
+              </a:rPr>
+              <a:t>simplify</a:t>
+            </a:r>
+            <a:r>
+              <a:rPr lang="sk-SK" sz="1800" dirty="0">
+                <a:solidFill>
+                  <a:srgbClr val="000000"/>
+                </a:solidFill>
+              </a:rPr>
+              <a:t> </a:t>
+            </a:r>
+            <a:r>
+              <a:rPr lang="sk-SK" sz="1800" dirty="0" err="1">
+                <a:solidFill>
+                  <a:srgbClr val="000000"/>
+                </a:solidFill>
+              </a:rPr>
+              <a:t>operations</a:t>
+            </a:r>
+            <a:r>
+              <a:rPr lang="sk-SK" sz="1800" dirty="0">
+                <a:solidFill>
+                  <a:srgbClr val="000000"/>
+                </a:solidFill>
+              </a:rPr>
+              <a:t>.</a:t>
+            </a:r>
+            <a:endParaRPr lang="en-US" sz="1600" dirty="0">
+              <a:solidFill>
+                <a:srgbClr val="000000"/>
+              </a:solidFill>
+            </a:endParaRPr>
           </a:p>
         </p:txBody>
       </p:sp>
@@ -41341,6 +41295,46 @@
           </a:graphicData>
         </a:graphic>
       </p:graphicFrame>
+      <p:sp>
+        <p:nvSpPr>
+          <p:cNvPr id="2" name="BlokTextu 1">
+            <a:extLst>
+              <a:ext uri="{FF2B5EF4-FFF2-40B4-BE49-F238E27FC236}">
+                <a16:creationId xmlns:a16="http://schemas.microsoft.com/office/drawing/2014/main" id="{F7ECA304-502B-4E09-72DF-65167EF7FC35}"/>
+              </a:ext>
+            </a:extLst>
+          </p:cNvPr>
+          <p:cNvSpPr txBox="1"/>
+          <p:nvPr/>
+        </p:nvSpPr>
+        <p:spPr>
+          <a:xfrm>
+            <a:off x="590309" y="4693534"/>
+            <a:ext cx="6157711" cy="338554"/>
+          </a:xfrm>
+          <a:prstGeom prst="rect">
+            <a:avLst/>
+          </a:prstGeom>
+          <a:noFill/>
+        </p:spPr>
+        <p:txBody>
+          <a:bodyPr wrap="none" rtlCol="0">
+            <a:spAutoFit/>
+          </a:bodyPr>
+          <a:lstStyle/>
+          <a:p>
+            <a:r>
+              <a:rPr lang="sk-SK" sz="1600" dirty="0"/>
+              <a:t>SD-WAN je </a:t>
+            </a:r>
+            <a:r>
+              <a:rPr lang="sk-SK" sz="1600" b="1" dirty="0"/>
+              <a:t>softvérovo definovaná sieťová architektúra WAN</a:t>
+            </a:r>
+            <a:endParaRPr lang="sk-SK" sz="1600" dirty="0"/>
+          </a:p>
+        </p:txBody>
+      </p:sp>
     </p:spTree>
     <p:custDataLst>
       <p:tags r:id="rId1"/>
@@ -42313,8 +42307,8 @@
           <a:chExt cx="0" cy="0"/>
         </a:xfrm>
       </p:grpSpPr>
-      <mc:AlternateContent xmlns:mc="http://schemas.openxmlformats.org/markup-compatibility/2006" xmlns:we="http://schemas.microsoft.com/office/webextensions/webextension/2010/11" xmlns:pca="http://schemas.microsoft.com/office/powerpoint/2013/contentapp">
-        <mc:Choice Requires="we pca">
+      <mc:AlternateContent xmlns:mc="http://schemas.openxmlformats.org/markup-compatibility/2006">
+        <mc:Choice xmlns:we="http://schemas.microsoft.com/office/webextensions/webextension/2010/11" xmlns:pca="http://schemas.microsoft.com/office/powerpoint/2013/contentapp" Requires="we pca">
           <p:graphicFrame>
             <p:nvGraphicFramePr>
               <p:cNvPr id="4" name="Zástupný objekt pre obsah 3">
@@ -42347,7 +42341,7 @@
             </a:graphic>
           </p:graphicFrame>
         </mc:Choice>
-        <mc:Fallback xmlns="">
+        <mc:Fallback>
           <p:pic>
             <p:nvPicPr>
               <p:cNvPr id="4" name="Zástupný objekt pre obsah 3">
